--- a/cs447jb_rec1_jan19_and_22.pptx
+++ b/cs447jb_rec1_jan19_and_22.pptx
@@ -152,6 +152,10 @@
     </p:extLst>
   </p:cmAuthor>
 </p:cmAuthorLst>
+</file>
+
+<file path=ppt/revisionInfo.xml><?xml version="1.0" encoding="utf-8"?>
+<p1510:revInfo xmlns:a="http://schemas.openxmlformats.org/drawingml/2006/main" xmlns:r="http://schemas.openxmlformats.org/officeDocument/2006/relationships" xmlns:p1510="http://schemas.microsoft.com/office/powerpoint/2015/10/main"/>
 </file>
 
 <file path=ppt/notesMasters/notesMaster1.xml><?xml version="1.0" encoding="utf-8"?>
@@ -3389,7 +3393,7 @@
                   <a:srgbClr val="002060"/>
                 </a:solidFill>
               </a:rPr>
-              <a:t>CS1501 Recitation #1: 1/22/18</a:t>
+              <a:t>CS447 Recitation #1: 1/22/18</a:t>
             </a:r>
           </a:p>
         </p:txBody>
